--- a/Hangman.pptx
+++ b/Hangman.pptx
@@ -8,11 +8,11 @@
     <p:sldId id="256" r:id="rId2"/>
     <p:sldId id="266" r:id="rId3"/>
     <p:sldId id="258" r:id="rId4"/>
-    <p:sldId id="259" r:id="rId5"/>
-    <p:sldId id="260" r:id="rId6"/>
-    <p:sldId id="261" r:id="rId7"/>
-    <p:sldId id="263" r:id="rId8"/>
-    <p:sldId id="264" r:id="rId9"/>
+    <p:sldId id="260" r:id="rId5"/>
+    <p:sldId id="261" r:id="rId6"/>
+    <p:sldId id="263" r:id="rId7"/>
+    <p:sldId id="264" r:id="rId8"/>
+    <p:sldId id="268" r:id="rId9"/>
     <p:sldId id="265" r:id="rId10"/>
     <p:sldId id="267" r:id="rId11"/>
   </p:sldIdLst>
@@ -3860,6 +3860,14 @@
               <a:rPr lang="en-US" dirty="0" err="1"/>
               <a:t>Belakang</a:t>
             </a:r>
+            <a:r>
+              <a:rPr lang="en-US" dirty="0"/>
+              <a:t> dan </a:t>
+            </a:r>
+            <a:r>
+              <a:rPr lang="en-US" dirty="0" err="1"/>
+              <a:t>tujuan</a:t>
+            </a:r>
             <a:endParaRPr lang="en-ID" dirty="0"/>
           </a:p>
         </p:txBody>
@@ -3886,8 +3894,20 @@
           <a:lstStyle/>
           <a:p>
             <a:r>
+              <a:rPr lang="en-US" dirty="0" err="1"/>
+              <a:t>Latar</a:t>
+            </a:r>
+            <a:r>
               <a:rPr lang="en-US" dirty="0"/>
-              <a:t>Kami </a:t>
+              <a:t> </a:t>
+            </a:r>
+            <a:r>
+              <a:rPr lang="en-US" dirty="0" err="1"/>
+              <a:t>belakang</a:t>
+            </a:r>
+            <a:r>
+              <a:rPr lang="en-US" dirty="0"/>
+              <a:t> Kami </a:t>
             </a:r>
             <a:r>
               <a:rPr lang="en-US" dirty="0" err="1"/>
@@ -4049,6 +4069,198 @@
               <a:rPr lang="en-US" dirty="0"/>
               <a:t> array</a:t>
             </a:r>
+          </a:p>
+          <a:p>
+            <a:r>
+              <a:rPr lang="en-US" dirty="0"/>
+              <a:t> </a:t>
+            </a:r>
+            <a:r>
+              <a:rPr lang="en-US" dirty="0" err="1"/>
+              <a:t>Tujuan</a:t>
+            </a:r>
+            <a:r>
+              <a:rPr lang="en-US" dirty="0"/>
+              <a:t> kami </a:t>
+            </a:r>
+            <a:r>
+              <a:rPr lang="en-US" dirty="0" err="1"/>
+              <a:t>memilih</a:t>
+            </a:r>
+            <a:r>
+              <a:rPr lang="en-US" dirty="0"/>
+              <a:t> game Hangman </a:t>
+            </a:r>
+            <a:r>
+              <a:rPr lang="en-US" dirty="0" err="1"/>
+              <a:t>Untuk</a:t>
+            </a:r>
+            <a:r>
+              <a:rPr lang="en-US" dirty="0"/>
+              <a:t> </a:t>
+            </a:r>
+            <a:r>
+              <a:rPr lang="en-US" dirty="0" err="1"/>
+              <a:t>Mengasah</a:t>
+            </a:r>
+            <a:r>
+              <a:rPr lang="en-US" dirty="0"/>
+              <a:t> dan </a:t>
+            </a:r>
+            <a:r>
+              <a:rPr lang="en-US" dirty="0" err="1"/>
+              <a:t>menyempurnakan</a:t>
+            </a:r>
+            <a:r>
+              <a:rPr lang="en-US" dirty="0"/>
+              <a:t> </a:t>
+            </a:r>
+            <a:r>
+              <a:rPr lang="en-US" dirty="0" err="1"/>
+              <a:t>kemampuan</a:t>
+            </a:r>
+            <a:r>
+              <a:rPr lang="en-US" dirty="0"/>
+              <a:t> kami </a:t>
+            </a:r>
+            <a:r>
+              <a:rPr lang="en-US" dirty="0" err="1"/>
+              <a:t>dalam</a:t>
+            </a:r>
+            <a:r>
+              <a:rPr lang="en-US" dirty="0"/>
+              <a:t> </a:t>
+            </a:r>
+            <a:r>
+              <a:rPr lang="en-US" dirty="0" err="1"/>
+              <a:t>membuat</a:t>
+            </a:r>
+            <a:r>
+              <a:rPr lang="en-US" dirty="0"/>
+              <a:t> </a:t>
+            </a:r>
+            <a:r>
+              <a:rPr lang="en-US" dirty="0" err="1"/>
+              <a:t>seni</a:t>
+            </a:r>
+            <a:r>
+              <a:rPr lang="en-US" dirty="0"/>
+              <a:t> program </a:t>
+            </a:r>
+            <a:r>
+              <a:rPr lang="en-US" dirty="0" err="1"/>
+              <a:t>dengan</a:t>
+            </a:r>
+            <a:r>
+              <a:rPr lang="en-US" dirty="0"/>
+              <a:t> Bahasa C, dan </a:t>
+            </a:r>
+            <a:r>
+              <a:rPr lang="en-US" dirty="0" err="1"/>
+              <a:t>sebagai</a:t>
+            </a:r>
+            <a:r>
+              <a:rPr lang="en-US" dirty="0"/>
+              <a:t> </a:t>
+            </a:r>
+            <a:r>
+              <a:rPr lang="en-US" dirty="0" err="1"/>
+              <a:t>pelajaran</a:t>
+            </a:r>
+            <a:r>
+              <a:rPr lang="en-US" dirty="0"/>
+              <a:t> </a:t>
+            </a:r>
+            <a:r>
+              <a:rPr lang="en-US" dirty="0" err="1"/>
+              <a:t>baru</a:t>
+            </a:r>
+            <a:r>
+              <a:rPr lang="en-US" dirty="0"/>
+              <a:t> </a:t>
+            </a:r>
+            <a:r>
+              <a:rPr lang="en-US" dirty="0" err="1"/>
+              <a:t>bagi</a:t>
+            </a:r>
+            <a:r>
+              <a:rPr lang="en-US" dirty="0"/>
+              <a:t> kami </a:t>
+            </a:r>
+            <a:r>
+              <a:rPr lang="en-US" dirty="0" err="1"/>
+              <a:t>dalam</a:t>
+            </a:r>
+            <a:r>
+              <a:rPr lang="en-US" dirty="0"/>
+              <a:t> </a:t>
+            </a:r>
+            <a:r>
+              <a:rPr lang="en-US" dirty="0" err="1"/>
+              <a:t>membagi</a:t>
+            </a:r>
+            <a:r>
+              <a:rPr lang="en-US" dirty="0"/>
+              <a:t> </a:t>
+            </a:r>
+            <a:r>
+              <a:rPr lang="en-US" dirty="0" err="1"/>
+              <a:t>jobdesc</a:t>
+            </a:r>
+            <a:r>
+              <a:rPr lang="en-US" dirty="0"/>
+              <a:t> </a:t>
+            </a:r>
+            <a:r>
+              <a:rPr lang="en-US" dirty="0" err="1"/>
+              <a:t>seperti</a:t>
+            </a:r>
+            <a:r>
+              <a:rPr lang="en-US" dirty="0"/>
+              <a:t> program yang </a:t>
+            </a:r>
+            <a:r>
+              <a:rPr lang="en-US" dirty="0" err="1"/>
+              <a:t>dibuat</a:t>
+            </a:r>
+            <a:r>
+              <a:rPr lang="en-US" dirty="0"/>
+              <a:t> oleh 2 orang </a:t>
+            </a:r>
+            <a:r>
+              <a:rPr lang="en-US" dirty="0" err="1"/>
+              <a:t>lalu</a:t>
+            </a:r>
+            <a:r>
+              <a:rPr lang="en-US" dirty="0"/>
+              <a:t> </a:t>
+            </a:r>
+            <a:r>
+              <a:rPr lang="en-US" dirty="0" err="1"/>
+              <a:t>menyatukan</a:t>
+            </a:r>
+            <a:r>
+              <a:rPr lang="en-US" dirty="0"/>
+              <a:t> </a:t>
+            </a:r>
+            <a:r>
+              <a:rPr lang="en-US" dirty="0" err="1"/>
+              <a:t>pikiran</a:t>
+            </a:r>
+            <a:r>
+              <a:rPr lang="en-US" dirty="0"/>
+              <a:t> </a:t>
+            </a:r>
+            <a:r>
+              <a:rPr lang="en-US" dirty="0" err="1"/>
+              <a:t>jugaa</a:t>
+            </a:r>
+            <a:r>
+              <a:rPr lang="en-US" dirty="0"/>
+              <a:t> </a:t>
+            </a:r>
+          </a:p>
+          <a:p>
             <a:endParaRPr lang="en-ID" dirty="0"/>
           </a:p>
         </p:txBody>
@@ -4088,267 +4300,6 @@
           <p:cNvPr id="2" name="Title 1">
             <a:extLst>
               <a:ext uri="{FF2B5EF4-FFF2-40B4-BE49-F238E27FC236}">
-                <a16:creationId xmlns:a16="http://schemas.microsoft.com/office/drawing/2014/main" id="{9E705990-B596-4B1D-A450-7FCE47940C8A}"/>
-              </a:ext>
-            </a:extLst>
-          </p:cNvPr>
-          <p:cNvSpPr>
-            <a:spLocks noGrp="1"/>
-          </p:cNvSpPr>
-          <p:nvPr>
-            <p:ph type="title"/>
-          </p:nvPr>
-        </p:nvSpPr>
-        <p:spPr/>
-        <p:txBody>
-          <a:bodyPr/>
-          <a:lstStyle/>
-          <a:p>
-            <a:r>
-              <a:rPr lang="en-US" dirty="0" err="1"/>
-              <a:t>Tujuan</a:t>
-            </a:r>
-            <a:r>
-              <a:rPr lang="en-US" dirty="0"/>
-              <a:t> </a:t>
-            </a:r>
-            <a:endParaRPr lang="en-ID" dirty="0"/>
-          </a:p>
-        </p:txBody>
-      </p:sp>
-      <p:sp>
-        <p:nvSpPr>
-          <p:cNvPr id="3" name="Content Placeholder 2">
-            <a:extLst>
-              <a:ext uri="{FF2B5EF4-FFF2-40B4-BE49-F238E27FC236}">
-                <a16:creationId xmlns:a16="http://schemas.microsoft.com/office/drawing/2014/main" id="{A5B0AE9C-FCA6-4EDC-9DD3-1D0C9CA1D26A}"/>
-              </a:ext>
-            </a:extLst>
-          </p:cNvPr>
-          <p:cNvSpPr>
-            <a:spLocks noGrp="1"/>
-          </p:cNvSpPr>
-          <p:nvPr>
-            <p:ph idx="1"/>
-          </p:nvPr>
-        </p:nvSpPr>
-        <p:spPr/>
-        <p:txBody>
-          <a:bodyPr/>
-          <a:lstStyle/>
-          <a:p>
-            <a:r>
-              <a:rPr lang="en-US" dirty="0" err="1"/>
-              <a:t>Untuk</a:t>
-            </a:r>
-            <a:r>
-              <a:rPr lang="en-US" dirty="0"/>
-              <a:t> </a:t>
-            </a:r>
-            <a:r>
-              <a:rPr lang="en-US" dirty="0" err="1"/>
-              <a:t>Mengasah</a:t>
-            </a:r>
-            <a:r>
-              <a:rPr lang="en-US" dirty="0"/>
-              <a:t> dan </a:t>
-            </a:r>
-            <a:r>
-              <a:rPr lang="en-US" dirty="0" err="1"/>
-              <a:t>menyempurnakan</a:t>
-            </a:r>
-            <a:r>
-              <a:rPr lang="en-US" dirty="0"/>
-              <a:t> </a:t>
-            </a:r>
-            <a:r>
-              <a:rPr lang="en-US" dirty="0" err="1"/>
-              <a:t>kemampuan</a:t>
-            </a:r>
-            <a:r>
-              <a:rPr lang="en-US" dirty="0"/>
-              <a:t> kami </a:t>
-            </a:r>
-            <a:r>
-              <a:rPr lang="en-US" dirty="0" err="1"/>
-              <a:t>dalam</a:t>
-            </a:r>
-            <a:r>
-              <a:rPr lang="en-US" dirty="0"/>
-              <a:t> </a:t>
-            </a:r>
-            <a:r>
-              <a:rPr lang="en-US" dirty="0" err="1"/>
-              <a:t>membuat</a:t>
-            </a:r>
-            <a:r>
-              <a:rPr lang="en-US" dirty="0"/>
-              <a:t> </a:t>
-            </a:r>
-            <a:r>
-              <a:rPr lang="en-US" dirty="0" err="1"/>
-              <a:t>seni</a:t>
-            </a:r>
-            <a:r>
-              <a:rPr lang="en-US" dirty="0"/>
-              <a:t> program </a:t>
-            </a:r>
-            <a:r>
-              <a:rPr lang="en-US" dirty="0" err="1"/>
-              <a:t>dengan</a:t>
-            </a:r>
-            <a:r>
-              <a:rPr lang="en-US" dirty="0"/>
-              <a:t> Bahasa C, dan </a:t>
-            </a:r>
-            <a:r>
-              <a:rPr lang="en-US" dirty="0" err="1"/>
-              <a:t>sebagai</a:t>
-            </a:r>
-            <a:r>
-              <a:rPr lang="en-US" dirty="0"/>
-              <a:t> </a:t>
-            </a:r>
-            <a:r>
-              <a:rPr lang="en-US" dirty="0" err="1"/>
-              <a:t>pelajaran</a:t>
-            </a:r>
-            <a:r>
-              <a:rPr lang="en-US" dirty="0"/>
-              <a:t> </a:t>
-            </a:r>
-            <a:r>
-              <a:rPr lang="en-US" dirty="0" err="1"/>
-              <a:t>baru</a:t>
-            </a:r>
-            <a:r>
-              <a:rPr lang="en-US" dirty="0"/>
-              <a:t> </a:t>
-            </a:r>
-            <a:r>
-              <a:rPr lang="en-US" dirty="0" err="1"/>
-              <a:t>bagi</a:t>
-            </a:r>
-            <a:r>
-              <a:rPr lang="en-US" dirty="0"/>
-              <a:t> kami </a:t>
-            </a:r>
-            <a:r>
-              <a:rPr lang="en-US" dirty="0" err="1"/>
-              <a:t>dalam</a:t>
-            </a:r>
-            <a:r>
-              <a:rPr lang="en-US" dirty="0"/>
-              <a:t> </a:t>
-            </a:r>
-            <a:r>
-              <a:rPr lang="en-US" dirty="0" err="1"/>
-              <a:t>membagi</a:t>
-            </a:r>
-            <a:r>
-              <a:rPr lang="en-US" dirty="0"/>
-              <a:t> </a:t>
-            </a:r>
-            <a:r>
-              <a:rPr lang="en-US" dirty="0" err="1"/>
-              <a:t>jobdesc</a:t>
-            </a:r>
-            <a:r>
-              <a:rPr lang="en-US" dirty="0"/>
-              <a:t> </a:t>
-            </a:r>
-            <a:r>
-              <a:rPr lang="en-US" dirty="0" err="1"/>
-              <a:t>seperti</a:t>
-            </a:r>
-            <a:r>
-              <a:rPr lang="en-US" dirty="0"/>
-              <a:t> program yang </a:t>
-            </a:r>
-            <a:r>
-              <a:rPr lang="en-US" dirty="0" err="1"/>
-              <a:t>dibuat</a:t>
-            </a:r>
-            <a:r>
-              <a:rPr lang="en-US" dirty="0"/>
-              <a:t> oleh 2 orang </a:t>
-            </a:r>
-            <a:r>
-              <a:rPr lang="en-US" dirty="0" err="1"/>
-              <a:t>lalu</a:t>
-            </a:r>
-            <a:r>
-              <a:rPr lang="en-US" dirty="0"/>
-              <a:t> </a:t>
-            </a:r>
-            <a:r>
-              <a:rPr lang="en-US" dirty="0" err="1"/>
-              <a:t>menyatukan</a:t>
-            </a:r>
-            <a:r>
-              <a:rPr lang="en-US" dirty="0"/>
-              <a:t> </a:t>
-            </a:r>
-            <a:r>
-              <a:rPr lang="en-US" dirty="0" err="1"/>
-              <a:t>pikiran</a:t>
-            </a:r>
-            <a:r>
-              <a:rPr lang="en-US" dirty="0"/>
-              <a:t> </a:t>
-            </a:r>
-            <a:r>
-              <a:rPr lang="en-US" dirty="0" err="1"/>
-              <a:t>jugaa</a:t>
-            </a:r>
-            <a:r>
-              <a:rPr lang="en-US" dirty="0"/>
-              <a:t> </a:t>
-            </a:r>
-          </a:p>
-          <a:p>
-            <a:pPr marL="0" indent="0">
-              <a:buNone/>
-            </a:pPr>
-            <a:endParaRPr lang="en-ID" dirty="0"/>
-          </a:p>
-        </p:txBody>
-      </p:sp>
-    </p:spTree>
-    <p:extLst>
-      <p:ext uri="{BB962C8B-B14F-4D97-AF65-F5344CB8AC3E}">
-        <p14:creationId xmlns:p14="http://schemas.microsoft.com/office/powerpoint/2010/main" val="3969086994"/>
-      </p:ext>
-    </p:extLst>
-  </p:cSld>
-  <p:clrMapOvr>
-    <a:masterClrMapping/>
-  </p:clrMapOvr>
-</p:sld>
-</file>
-
-<file path=ppt/slides/slide5.xml><?xml version="1.0" encoding="utf-8"?>
-<p:sld xmlns:a="http://schemas.openxmlformats.org/drawingml/2006/main" xmlns:r="http://schemas.openxmlformats.org/officeDocument/2006/relationships" xmlns:p="http://schemas.openxmlformats.org/presentationml/2006/main">
-  <p:cSld>
-    <p:spTree>
-      <p:nvGrpSpPr>
-        <p:cNvPr id="1" name=""/>
-        <p:cNvGrpSpPr/>
-        <p:nvPr/>
-      </p:nvGrpSpPr>
-      <p:grpSpPr>
-        <a:xfrm>
-          <a:off x="0" y="0"/>
-          <a:ext cx="0" cy="0"/>
-          <a:chOff x="0" y="0"/>
-          <a:chExt cx="0" cy="0"/>
-        </a:xfrm>
-      </p:grpSpPr>
-      <p:sp>
-        <p:nvSpPr>
-          <p:cNvPr id="2" name="Title 1">
-            <a:extLst>
-              <a:ext uri="{FF2B5EF4-FFF2-40B4-BE49-F238E27FC236}">
                 <a16:creationId xmlns:a16="http://schemas.microsoft.com/office/drawing/2014/main" id="{2D6EA692-DFC9-4800-9F54-829A5EE4B1A2}"/>
               </a:ext>
             </a:extLst>
@@ -4412,6 +4363,240 @@
     <p:extLst>
       <p:ext uri="{BB962C8B-B14F-4D97-AF65-F5344CB8AC3E}">
         <p14:creationId xmlns:p14="http://schemas.microsoft.com/office/powerpoint/2010/main" val="641751511"/>
+      </p:ext>
+    </p:extLst>
+  </p:cSld>
+  <p:clrMapOvr>
+    <a:masterClrMapping/>
+  </p:clrMapOvr>
+</p:sld>
+</file>
+
+<file path=ppt/slides/slide5.xml><?xml version="1.0" encoding="utf-8"?>
+<p:sld xmlns:a="http://schemas.openxmlformats.org/drawingml/2006/main" xmlns:r="http://schemas.openxmlformats.org/officeDocument/2006/relationships" xmlns:p="http://schemas.openxmlformats.org/presentationml/2006/main">
+  <p:cSld>
+    <p:bg>
+      <p:bgPr>
+        <a:solidFill>
+          <a:schemeClr val="bg1"/>
+        </a:solidFill>
+        <a:effectLst/>
+      </p:bgPr>
+    </p:bg>
+    <p:spTree>
+      <p:nvGrpSpPr>
+        <p:cNvPr id="1" name=""/>
+        <p:cNvGrpSpPr/>
+        <p:nvPr/>
+      </p:nvGrpSpPr>
+      <p:grpSpPr>
+        <a:xfrm>
+          <a:off x="0" y="0"/>
+          <a:ext cx="0" cy="0"/>
+          <a:chOff x="0" y="0"/>
+          <a:chExt cx="0" cy="0"/>
+        </a:xfrm>
+      </p:grpSpPr>
+      <p:sp useBgFill="1">
+        <p:nvSpPr>
+          <p:cNvPr id="19" name="Rectangle 18">
+            <a:extLst>
+              <a:ext uri="{FF2B5EF4-FFF2-40B4-BE49-F238E27FC236}">
+                <a16:creationId xmlns:a16="http://schemas.microsoft.com/office/drawing/2014/main" id="{022BDE4A-8A20-4A69-9C5A-581C82036A4D}"/>
+              </a:ext>
+              <a:ext uri="{C183D7F6-B498-43B3-948B-1728B52AA6E4}">
+                <adec:decorative xmlns:adec="http://schemas.microsoft.com/office/drawing/2017/decorative" val="1"/>
+              </a:ext>
+            </a:extLst>
+          </p:cNvPr>
+          <p:cNvSpPr>
+            <a:spLocks noGrp="1" noRot="1" noChangeAspect="1" noMove="1" noResize="1" noEditPoints="1" noAdjustHandles="1" noChangeArrowheads="1" noChangeShapeType="1" noTextEdit="1"/>
+          </p:cNvSpPr>
+          <p:nvPr>
+            <p:extLst>
+              <p:ext uri="{386F3935-93C4-4BCD-93E2-E3B085C9AB24}">
+                <p16:designElem xmlns:p16="http://schemas.microsoft.com/office/powerpoint/2015/main" val="1"/>
+              </p:ext>
+            </p:extLst>
+          </p:nvPr>
+        </p:nvSpPr>
+        <p:spPr>
+          <a:xfrm>
+            <a:off x="-1" y="0"/>
+            <a:ext cx="12188952" cy="6858000"/>
+          </a:xfrm>
+          <a:prstGeom prst="rect">
+            <a:avLst/>
+          </a:prstGeom>
+          <a:ln>
+            <a:noFill/>
+          </a:ln>
+        </p:spPr>
+        <p:style>
+          <a:lnRef idx="2">
+            <a:schemeClr val="accent1">
+              <a:shade val="50000"/>
+            </a:schemeClr>
+          </a:lnRef>
+          <a:fillRef idx="1">
+            <a:schemeClr val="accent1"/>
+          </a:fillRef>
+          <a:effectRef idx="0">
+            <a:schemeClr val="accent1"/>
+          </a:effectRef>
+          <a:fontRef idx="minor">
+            <a:schemeClr val="lt1"/>
+          </a:fontRef>
+        </p:style>
+        <p:txBody>
+          <a:bodyPr rtlCol="0" anchor="ctr"/>
+          <a:lstStyle/>
+          <a:p>
+            <a:pPr algn="ctr"/>
+            <a:endParaRPr lang="en-US"/>
+          </a:p>
+        </p:txBody>
+      </p:sp>
+      <p:sp>
+        <p:nvSpPr>
+          <p:cNvPr id="2" name="Title 1">
+            <a:extLst>
+              <a:ext uri="{FF2B5EF4-FFF2-40B4-BE49-F238E27FC236}">
+                <a16:creationId xmlns:a16="http://schemas.microsoft.com/office/drawing/2014/main" id="{7DA819CB-7989-4AED-A18F-302B3BD30A43}"/>
+              </a:ext>
+            </a:extLst>
+          </p:cNvPr>
+          <p:cNvSpPr>
+            <a:spLocks noGrp="1"/>
+          </p:cNvSpPr>
+          <p:nvPr>
+            <p:ph type="title"/>
+          </p:nvPr>
+        </p:nvSpPr>
+        <p:spPr>
+          <a:xfrm>
+            <a:off x="1001684" y="170412"/>
+            <a:ext cx="10178934" cy="1328730"/>
+          </a:xfrm>
+        </p:spPr>
+        <p:txBody>
+          <a:bodyPr vert="horz" lIns="91440" tIns="45720" rIns="91440" bIns="45720" rtlCol="0" anchor="b">
+            <a:normAutofit/>
+          </a:bodyPr>
+          <a:lstStyle/>
+          <a:p>
+            <a:pPr algn="ctr"/>
+            <a:r>
+              <a:rPr lang="en-US" kern="1200">
+                <a:solidFill>
+                  <a:schemeClr val="tx1"/>
+                </a:solidFill>
+                <a:latin typeface="+mj-lt"/>
+                <a:ea typeface="+mj-ea"/>
+                <a:cs typeface="+mj-cs"/>
+              </a:rPr>
+              <a:t>Luaran program</a:t>
+            </a:r>
+            <a:br>
+              <a:rPr lang="en-US" kern="1200">
+                <a:solidFill>
+                  <a:schemeClr val="tx1"/>
+                </a:solidFill>
+                <a:latin typeface="+mj-lt"/>
+                <a:ea typeface="+mj-ea"/>
+                <a:cs typeface="+mj-cs"/>
+              </a:rPr>
+            </a:br>
+            <a:r>
+              <a:rPr lang="en-US" kern="1200">
+                <a:solidFill>
+                  <a:schemeClr val="tx1"/>
+                </a:solidFill>
+                <a:latin typeface="+mj-lt"/>
+                <a:ea typeface="+mj-ea"/>
+                <a:cs typeface="+mj-cs"/>
+              </a:rPr>
+              <a:t>tampilan awal dan menu</a:t>
+            </a:r>
+          </a:p>
+        </p:txBody>
+      </p:sp>
+      <p:pic>
+        <p:nvPicPr>
+          <p:cNvPr id="7" name="Content Placeholder 6" descr="A screen shot of a computer&#10;&#10;Description automatically generated">
+            <a:extLst>
+              <a:ext uri="{FF2B5EF4-FFF2-40B4-BE49-F238E27FC236}">
+                <a16:creationId xmlns:a16="http://schemas.microsoft.com/office/drawing/2014/main" id="{6EA0D900-5B2A-4A9C-81FE-C299FA55CFBC}"/>
+              </a:ext>
+            </a:extLst>
+          </p:cNvPr>
+          <p:cNvPicPr>
+            <a:picLocks noGrp="1" noChangeAspect="1"/>
+          </p:cNvPicPr>
+          <p:nvPr>
+            <p:ph idx="1"/>
+          </p:nvPr>
+        </p:nvPicPr>
+        <p:blipFill rotWithShape="1">
+          <a:blip r:embed="rId2">
+            <a:extLst>
+              <a:ext uri="{28A0092B-C50C-407E-A947-70E740481C1C}">
+                <a14:useLocalDpi xmlns:a14="http://schemas.microsoft.com/office/drawing/2010/main" val="0"/>
+              </a:ext>
+            </a:extLst>
+          </a:blip>
+          <a:srcRect r="16088" b="-3"/>
+          <a:stretch/>
+        </p:blipFill>
+        <p:spPr>
+          <a:xfrm>
+            <a:off x="198741" y="2410448"/>
+            <a:ext cx="5803323" cy="3890357"/>
+          </a:xfrm>
+          <a:prstGeom prst="rect">
+            <a:avLst/>
+          </a:prstGeom>
+        </p:spPr>
+      </p:pic>
+      <p:pic>
+        <p:nvPicPr>
+          <p:cNvPr id="5" name="Content Placeholder 4" descr="A screen shot of a computer&#10;&#10;Description automatically generated">
+            <a:extLst>
+              <a:ext uri="{FF2B5EF4-FFF2-40B4-BE49-F238E27FC236}">
+                <a16:creationId xmlns:a16="http://schemas.microsoft.com/office/drawing/2014/main" id="{59C8539A-DBCD-4988-B06E-85022572A6D5}"/>
+              </a:ext>
+            </a:extLst>
+          </p:cNvPr>
+          <p:cNvPicPr>
+            <a:picLocks noChangeAspect="1"/>
+          </p:cNvPicPr>
+          <p:nvPr/>
+        </p:nvPicPr>
+        <p:blipFill rotWithShape="1">
+          <a:blip r:embed="rId3">
+            <a:extLst>
+              <a:ext uri="{28A0092B-C50C-407E-A947-70E740481C1C}">
+                <a14:useLocalDpi xmlns:a14="http://schemas.microsoft.com/office/drawing/2010/main" val="0"/>
+              </a:ext>
+            </a:extLst>
+          </a:blip>
+          <a:srcRect r="16088" b="-3"/>
+          <a:stretch/>
+        </p:blipFill>
+        <p:spPr>
+          <a:xfrm>
+            <a:off x="6189934" y="2410448"/>
+            <a:ext cx="5803323" cy="3890357"/>
+          </a:xfrm>
+          <a:prstGeom prst="rect">
+            <a:avLst/>
+          </a:prstGeom>
+        </p:spPr>
+      </p:pic>
+    </p:spTree>
+    <p:extLst>
+      <p:ext uri="{BB962C8B-B14F-4D97-AF65-F5344CB8AC3E}">
+        <p14:creationId xmlns:p14="http://schemas.microsoft.com/office/powerpoint/2010/main" val="4133116128"/>
       </p:ext>
     </p:extLst>
   </p:cSld>
@@ -4448,7 +4633,7 @@
       </p:grpSpPr>
       <p:sp useBgFill="1">
         <p:nvSpPr>
-          <p:cNvPr id="19" name="Rectangle 18">
+          <p:cNvPr id="17" name="Rectangle 16">
             <a:extLst>
               <a:ext uri="{FF2B5EF4-FFF2-40B4-BE49-F238E27FC236}">
                 <a16:creationId xmlns:a16="http://schemas.microsoft.com/office/drawing/2014/main" id="{022BDE4A-8A20-4A69-9C5A-581C82036A4D}"/>
@@ -4511,7 +4696,7 @@
           <p:cNvPr id="2" name="Title 1">
             <a:extLst>
               <a:ext uri="{FF2B5EF4-FFF2-40B4-BE49-F238E27FC236}">
-                <a16:creationId xmlns:a16="http://schemas.microsoft.com/office/drawing/2014/main" id="{7DA819CB-7989-4AED-A18F-302B3BD30A43}"/>
+                <a16:creationId xmlns:a16="http://schemas.microsoft.com/office/drawing/2014/main" id="{86C72E36-6462-458B-ACAA-FA9A66794816}"/>
               </a:ext>
             </a:extLst>
           </p:cNvPr>
@@ -4536,7 +4721,7 @@
           <a:p>
             <a:pPr algn="ctr"/>
             <a:r>
-              <a:rPr lang="en-US" kern="1200">
+              <a:rPr lang="en-US" sz="5200" kern="1200">
                 <a:solidFill>
                   <a:schemeClr val="tx1"/>
                 </a:solidFill>
@@ -4544,47 +4729,24 @@
                 <a:ea typeface="+mj-ea"/>
                 <a:cs typeface="+mj-cs"/>
               </a:rPr>
-              <a:t>Luaran program</a:t>
-            </a:r>
-            <a:br>
-              <a:rPr lang="en-US" kern="1200">
-                <a:solidFill>
-                  <a:schemeClr val="tx1"/>
-                </a:solidFill>
-                <a:latin typeface="+mj-lt"/>
-                <a:ea typeface="+mj-ea"/>
-                <a:cs typeface="+mj-cs"/>
-              </a:rPr>
-            </a:br>
-            <a:r>
-              <a:rPr lang="en-US" kern="1200">
-                <a:solidFill>
-                  <a:schemeClr val="tx1"/>
-                </a:solidFill>
-                <a:latin typeface="+mj-lt"/>
-                <a:ea typeface="+mj-ea"/>
-                <a:cs typeface="+mj-cs"/>
-              </a:rPr>
-              <a:t>tampilan awal dan menu</a:t>
+              <a:t>Jenis tema dan pemilihan tema</a:t>
             </a:r>
           </a:p>
         </p:txBody>
       </p:sp>
       <p:pic>
         <p:nvPicPr>
-          <p:cNvPr id="7" name="Content Placeholder 6" descr="A screen shot of a computer&#10;&#10;Description automatically generated">
-            <a:extLst>
-              <a:ext uri="{FF2B5EF4-FFF2-40B4-BE49-F238E27FC236}">
-                <a16:creationId xmlns:a16="http://schemas.microsoft.com/office/drawing/2014/main" id="{6EA0D900-5B2A-4A9C-81FE-C299FA55CFBC}"/>
+          <p:cNvPr id="12" name="Picture 11">
+            <a:extLst>
+              <a:ext uri="{FF2B5EF4-FFF2-40B4-BE49-F238E27FC236}">
+                <a16:creationId xmlns:a16="http://schemas.microsoft.com/office/drawing/2014/main" id="{F852BA6D-20BB-4042-95D4-F5B5036277B7}"/>
               </a:ext>
             </a:extLst>
           </p:cNvPr>
           <p:cNvPicPr>
-            <a:picLocks noGrp="1" noChangeAspect="1"/>
+            <a:picLocks noChangeAspect="1"/>
           </p:cNvPicPr>
-          <p:nvPr>
-            <p:ph idx="1"/>
-          </p:nvPr>
+          <p:nvPr/>
         </p:nvPicPr>
         <p:blipFill rotWithShape="1">
           <a:blip r:embed="rId2">
@@ -4609,17 +4771,19 @@
       </p:pic>
       <p:pic>
         <p:nvPicPr>
-          <p:cNvPr id="5" name="Content Placeholder 4" descr="A screen shot of a computer&#10;&#10;Description automatically generated">
-            <a:extLst>
-              <a:ext uri="{FF2B5EF4-FFF2-40B4-BE49-F238E27FC236}">
-                <a16:creationId xmlns:a16="http://schemas.microsoft.com/office/drawing/2014/main" id="{59C8539A-DBCD-4988-B06E-85022572A6D5}"/>
+          <p:cNvPr id="8" name="Content Placeholder 7" descr="A screen shot of a computer&#10;&#10;Description automatically generated">
+            <a:extLst>
+              <a:ext uri="{FF2B5EF4-FFF2-40B4-BE49-F238E27FC236}">
+                <a16:creationId xmlns:a16="http://schemas.microsoft.com/office/drawing/2014/main" id="{7DA1B06D-58FD-4436-8D1A-04E9BFFC329E}"/>
               </a:ext>
             </a:extLst>
           </p:cNvPr>
           <p:cNvPicPr>
-            <a:picLocks noChangeAspect="1"/>
+            <a:picLocks noGrp="1" noChangeAspect="1"/>
           </p:cNvPicPr>
-          <p:nvPr/>
+          <p:nvPr>
+            <p:ph idx="1"/>
+          </p:nvPr>
         </p:nvPicPr>
         <p:blipFill rotWithShape="1">
           <a:blip r:embed="rId3">
@@ -4645,7 +4809,7 @@
     </p:spTree>
     <p:extLst>
       <p:ext uri="{BB962C8B-B14F-4D97-AF65-F5344CB8AC3E}">
-        <p14:creationId xmlns:p14="http://schemas.microsoft.com/office/powerpoint/2010/main" val="4133116128"/>
+        <p14:creationId xmlns:p14="http://schemas.microsoft.com/office/powerpoint/2010/main" val="1791209102"/>
       </p:ext>
     </p:extLst>
   </p:cSld>
@@ -4682,7 +4846,7 @@
       </p:grpSpPr>
       <p:sp useBgFill="1">
         <p:nvSpPr>
-          <p:cNvPr id="17" name="Rectangle 16">
+          <p:cNvPr id="20" name="Rectangle 19">
             <a:extLst>
               <a:ext uri="{FF2B5EF4-FFF2-40B4-BE49-F238E27FC236}">
                 <a16:creationId xmlns:a16="http://schemas.microsoft.com/office/drawing/2014/main" id="{022BDE4A-8A20-4A69-9C5A-581C82036A4D}"/>
@@ -4745,7 +4909,7 @@
           <p:cNvPr id="2" name="Title 1">
             <a:extLst>
               <a:ext uri="{FF2B5EF4-FFF2-40B4-BE49-F238E27FC236}">
-                <a16:creationId xmlns:a16="http://schemas.microsoft.com/office/drawing/2014/main" id="{86C72E36-6462-458B-ACAA-FA9A66794816}"/>
+                <a16:creationId xmlns:a16="http://schemas.microsoft.com/office/drawing/2014/main" id="{AED07D67-9E49-4224-91A8-5125ACD34412}"/>
               </a:ext>
             </a:extLst>
           </p:cNvPr>
@@ -4778,24 +4942,26 @@
                 <a:ea typeface="+mj-ea"/>
                 <a:cs typeface="+mj-cs"/>
               </a:rPr>
-              <a:t>Jenis tema dan pemilihan tema</a:t>
+              <a:t>Tampilan saat game berjalan </a:t>
             </a:r>
           </a:p>
         </p:txBody>
       </p:sp>
       <p:pic>
         <p:nvPicPr>
-          <p:cNvPr id="12" name="Picture 11">
-            <a:extLst>
-              <a:ext uri="{FF2B5EF4-FFF2-40B4-BE49-F238E27FC236}">
-                <a16:creationId xmlns:a16="http://schemas.microsoft.com/office/drawing/2014/main" id="{F852BA6D-20BB-4042-95D4-F5B5036277B7}"/>
+          <p:cNvPr id="5" name="Content Placeholder 4" descr="A screenshot of a computer screen&#10;&#10;Description automatically generated">
+            <a:extLst>
+              <a:ext uri="{FF2B5EF4-FFF2-40B4-BE49-F238E27FC236}">
+                <a16:creationId xmlns:a16="http://schemas.microsoft.com/office/drawing/2014/main" id="{4614E3AD-9FCE-43FA-8DB2-B1F3575F50EE}"/>
               </a:ext>
             </a:extLst>
           </p:cNvPr>
           <p:cNvPicPr>
-            <a:picLocks noChangeAspect="1"/>
+            <a:picLocks noGrp="1" noChangeAspect="1"/>
           </p:cNvPicPr>
-          <p:nvPr/>
+          <p:nvPr>
+            <p:ph idx="1"/>
+          </p:nvPr>
         </p:nvPicPr>
         <p:blipFill rotWithShape="1">
           <a:blip r:embed="rId2">
@@ -4820,19 +4986,17 @@
       </p:pic>
       <p:pic>
         <p:nvPicPr>
-          <p:cNvPr id="8" name="Content Placeholder 7" descr="A screen shot of a computer&#10;&#10;Description automatically generated">
-            <a:extLst>
-              <a:ext uri="{FF2B5EF4-FFF2-40B4-BE49-F238E27FC236}">
-                <a16:creationId xmlns:a16="http://schemas.microsoft.com/office/drawing/2014/main" id="{7DA1B06D-58FD-4436-8D1A-04E9BFFC329E}"/>
+          <p:cNvPr id="4" name="Picture 3" descr="A screenshot of a computer screen&#10;&#10;Description automatically generated">
+            <a:extLst>
+              <a:ext uri="{FF2B5EF4-FFF2-40B4-BE49-F238E27FC236}">
+                <a16:creationId xmlns:a16="http://schemas.microsoft.com/office/drawing/2014/main" id="{C9E49267-2539-4E20-8962-958EEB3B7D24}"/>
               </a:ext>
             </a:extLst>
           </p:cNvPr>
           <p:cNvPicPr>
-            <a:picLocks noGrp="1" noChangeAspect="1"/>
+            <a:picLocks noChangeAspect="1"/>
           </p:cNvPicPr>
-          <p:nvPr>
-            <p:ph idx="1"/>
-          </p:nvPr>
+          <p:nvPr/>
         </p:nvPicPr>
         <p:blipFill rotWithShape="1">
           <a:blip r:embed="rId3">
@@ -4858,7 +5022,7 @@
     </p:spTree>
     <p:extLst>
       <p:ext uri="{BB962C8B-B14F-4D97-AF65-F5344CB8AC3E}">
-        <p14:creationId xmlns:p14="http://schemas.microsoft.com/office/powerpoint/2010/main" val="1791209102"/>
+        <p14:creationId xmlns:p14="http://schemas.microsoft.com/office/powerpoint/2010/main" val="2836160305"/>
       </p:ext>
     </p:extLst>
   </p:cSld>
@@ -4895,7 +5059,7 @@
       </p:grpSpPr>
       <p:sp useBgFill="1">
         <p:nvSpPr>
-          <p:cNvPr id="15" name="Rectangle 14">
+          <p:cNvPr id="12" name="Rectangle 11">
             <a:extLst>
               <a:ext uri="{FF2B5EF4-FFF2-40B4-BE49-F238E27FC236}">
                 <a16:creationId xmlns:a16="http://schemas.microsoft.com/office/drawing/2014/main" id="{022BDE4A-8A20-4A69-9C5A-581C82036A4D}"/>
@@ -4958,7 +5122,7 @@
           <p:cNvPr id="2" name="Title 1">
             <a:extLst>
               <a:ext uri="{FF2B5EF4-FFF2-40B4-BE49-F238E27FC236}">
-                <a16:creationId xmlns:a16="http://schemas.microsoft.com/office/drawing/2014/main" id="{AED07D67-9E49-4224-91A8-5125ACD34412}"/>
+                <a16:creationId xmlns:a16="http://schemas.microsoft.com/office/drawing/2014/main" id="{72FD48EB-4DB2-483B-9B0E-C5046763001A}"/>
               </a:ext>
             </a:extLst>
           </p:cNvPr>
@@ -4983,7 +5147,7 @@
           <a:p>
             <a:pPr algn="ctr"/>
             <a:r>
-              <a:rPr lang="en-US" kern="1200">
+              <a:rPr lang="en-US" sz="5200" kern="1200">
                 <a:solidFill>
                   <a:schemeClr val="tx1"/>
                 </a:solidFill>
@@ -4991,17 +5155,17 @@
                 <a:ea typeface="+mj-ea"/>
                 <a:cs typeface="+mj-cs"/>
               </a:rPr>
-              <a:t>Tampilan saat game berjalan dan saat kalah, jika menang sebaliknya</a:t>
+              <a:t>Tampilan saat menang dan kalah</a:t>
             </a:r>
           </a:p>
         </p:txBody>
       </p:sp>
       <p:pic>
         <p:nvPicPr>
-          <p:cNvPr id="5" name="Content Placeholder 4" descr="A screenshot of a computer screen&#10;&#10;Description automatically generated">
-            <a:extLst>
-              <a:ext uri="{FF2B5EF4-FFF2-40B4-BE49-F238E27FC236}">
-                <a16:creationId xmlns:a16="http://schemas.microsoft.com/office/drawing/2014/main" id="{4614E3AD-9FCE-43FA-8DB2-B1F3575F50EE}"/>
+          <p:cNvPr id="5" name="Content Placeholder 4" descr="A screen shot of a computer&#10;&#10;Description automatically generated">
+            <a:extLst>
+              <a:ext uri="{FF2B5EF4-FFF2-40B4-BE49-F238E27FC236}">
+                <a16:creationId xmlns:a16="http://schemas.microsoft.com/office/drawing/2014/main" id="{7A249F64-1348-4170-AAC2-A3E10A6937A5}"/>
               </a:ext>
             </a:extLst>
           </p:cNvPr>
@@ -5035,10 +5199,10 @@
       </p:pic>
       <p:pic>
         <p:nvPicPr>
-          <p:cNvPr id="10" name="Picture 9" descr="A screen shot of a computer&#10;&#10;Description automatically generated">
-            <a:extLst>
-              <a:ext uri="{FF2B5EF4-FFF2-40B4-BE49-F238E27FC236}">
-                <a16:creationId xmlns:a16="http://schemas.microsoft.com/office/drawing/2014/main" id="{AC2F2390-4D7B-4585-8855-64E62825F34C}"/>
+          <p:cNvPr id="7" name="Picture 6" descr="A screen shot of a computer&#10;&#10;Description automatically generated">
+            <a:extLst>
+              <a:ext uri="{FF2B5EF4-FFF2-40B4-BE49-F238E27FC236}">
+                <a16:creationId xmlns:a16="http://schemas.microsoft.com/office/drawing/2014/main" id="{601CE19C-8006-4527-B0C3-B29563D07073}"/>
               </a:ext>
             </a:extLst>
           </p:cNvPr>
@@ -5071,7 +5235,7 @@
     </p:spTree>
     <p:extLst>
       <p:ext uri="{BB962C8B-B14F-4D97-AF65-F5344CB8AC3E}">
-        <p14:creationId xmlns:p14="http://schemas.microsoft.com/office/powerpoint/2010/main" val="2836160305"/>
+        <p14:creationId xmlns:p14="http://schemas.microsoft.com/office/powerpoint/2010/main" val="1020880546"/>
       </p:ext>
     </p:extLst>
   </p:cSld>
